--- a/Project 3.pptx
+++ b/Project 3.pptx
@@ -11,7 +11,8 @@
     <p:sldId id="312" r:id="rId8"/>
     <p:sldId id="313" r:id="rId9"/>
     <p:sldId id="314" r:id="rId10"/>
-    <p:sldId id="315" r:id="rId11"/>
+    <p:sldId id="317" r:id="rId11"/>
+    <p:sldId id="315" r:id="rId12"/>
   </p:sldIdLst>
   <p:sldSz cx="12192000" cy="6858000"/>
   <p:notesSz cx="6858000" cy="9144000"/>
@@ -587,7 +588,7 @@
           <a:p>
             <a:fld id="{EA0C0817-A112-4847-8014-A94B7D2A4EA3}" type="datetime1">
               <a:rPr lang="en-US" smtClean="0"/>
-              <a:t>6/1/2023</a:t>
+              <a:t>6/5/23</a:t>
             </a:fld>
             <a:endParaRPr lang="en-US" dirty="0"/>
           </a:p>
@@ -789,7 +790,7 @@
           <a:p>
             <a:fld id="{7332B432-ACDA-4023-A761-2BAB76577B62}" type="datetime1">
               <a:rPr lang="en-US" smtClean="0"/>
-              <a:t>6/1/2023</a:t>
+              <a:t>6/5/23</a:t>
             </a:fld>
             <a:endParaRPr lang="en-US" dirty="0"/>
           </a:p>
@@ -1388,7 +1389,7 @@
           <a:p>
             <a:fld id="{D9C646AA-F36E-4540-911D-FFFC0A0EF24A}" type="datetime1">
               <a:rPr lang="en-US" smtClean="0"/>
-              <a:t>6/1/2023</a:t>
+              <a:t>6/5/23</a:t>
             </a:fld>
             <a:endParaRPr lang="en-US" dirty="0"/>
           </a:p>
@@ -1708,7 +1709,7 @@
           <a:p>
             <a:fld id="{69186D26-FA5F-4637-B602-B7C2DC34CFD4}" type="datetime1">
               <a:rPr lang="en-US" smtClean="0"/>
-              <a:t>6/1/2023</a:t>
+              <a:t>6/5/23</a:t>
             </a:fld>
             <a:endParaRPr lang="en-US" dirty="0"/>
           </a:p>
@@ -2145,7 +2146,7 @@
           <a:p>
             <a:fld id="{8A7F15D8-96D1-4781-BC50-CA8A088B2FE4}" type="datetime1">
               <a:rPr lang="en-US" smtClean="0"/>
-              <a:t>6/1/2023</a:t>
+              <a:t>6/5/23</a:t>
             </a:fld>
             <a:endParaRPr lang="en-US" dirty="0"/>
           </a:p>
@@ -2263,7 +2264,7 @@
           <a:p>
             <a:fld id="{F9A96C99-B8F8-4528-BD05-0E16E943DC09}" type="datetime1">
               <a:rPr lang="en-US" smtClean="0"/>
-              <a:t>6/1/2023</a:t>
+              <a:t>6/5/23</a:t>
             </a:fld>
             <a:endParaRPr lang="en-US" dirty="0"/>
           </a:p>
@@ -2358,7 +2359,7 @@
           <a:p>
             <a:fld id="{03636942-C211-4B28-8DBD-C953E00AF71B}" type="datetime1">
               <a:rPr lang="en-US" smtClean="0"/>
-              <a:t>6/1/2023</a:t>
+              <a:t>6/5/23</a:t>
             </a:fld>
             <a:endParaRPr lang="en-US" dirty="0"/>
           </a:p>
@@ -2775,7 +2776,7 @@
           <a:p>
             <a:fld id="{7E8D12A6-918A-48BD-8CB9-CA713993B0EA}" type="datetime1">
               <a:rPr lang="en-US" smtClean="0"/>
-              <a:t>6/1/2023</a:t>
+              <a:t>6/5/23</a:t>
             </a:fld>
             <a:endParaRPr lang="en-US" dirty="0"/>
           </a:p>
@@ -3037,7 +3038,7 @@
             <a:fld id="{E778CE86-875F-4587-BCF6-FA054AFC0D53}" type="datetime1">
               <a:rPr lang="en-US" smtClean="0"/>
               <a:pPr/>
-              <a:t>6/1/2023</a:t>
+              <a:t>6/5/23</a:t>
             </a:fld>
             <a:endParaRPr lang="en-US" dirty="0"/>
           </a:p>
@@ -3553,7 +3554,7 @@
           <a:p>
             <a:fld id="{F6FA2B21-3FCD-4721-B95C-427943F61125}" type="datetime1">
               <a:rPr lang="en-US" smtClean="0"/>
-              <a:t>6/1/2023</a:t>
+              <a:t>6/5/23</a:t>
             </a:fld>
             <a:endParaRPr lang="en-US" dirty="0"/>
           </a:p>
@@ -5930,7 +5931,12 @@
             <p:ph idx="1"/>
           </p:nvPr>
         </p:nvSpPr>
-        <p:spPr/>
+        <p:spPr>
+          <a:xfrm>
+            <a:off x="655983" y="172278"/>
+            <a:ext cx="6858000" cy="5334000"/>
+          </a:xfrm>
+        </p:spPr>
         <p:txBody>
           <a:bodyPr>
             <a:normAutofit/>
@@ -5968,29 +5974,6 @@
               <a:buAutoNum type="arabicParenBoth"/>
             </a:pPr>
             <a:endParaRPr lang="en-US" sz="2000" b="1" dirty="0"/>
-          </a:p>
-          <a:p>
-            <a:pPr marL="457200" indent="-457200">
-              <a:buAutoNum type="arabicParenBoth"/>
-            </a:pPr>
-            <a:endParaRPr lang="en-US" sz="2000" b="1" dirty="0">
-              <a:highlight>
-                <a:srgbClr val="FFFF00"/>
-              </a:highlight>
-            </a:endParaRPr>
-          </a:p>
-          <a:p>
-            <a:pPr marL="457200" indent="-457200">
-              <a:buAutoNum type="arabicParenBoth"/>
-            </a:pPr>
-            <a:r>
-              <a:rPr lang="en-US" sz="2000" b="1" dirty="0">
-                <a:highlight>
-                  <a:srgbClr val="FFFF00"/>
-                </a:highlight>
-              </a:rPr>
-              <a:t>SCREENSHOT</a:t>
-            </a:r>
           </a:p>
         </p:txBody>
       </p:sp>
@@ -6018,6 +6001,36 @@
           <a:xfrm>
             <a:off x="8363124" y="1577130"/>
             <a:ext cx="3586294" cy="3586294"/>
+          </a:xfrm>
+          <a:prstGeom prst="rect">
+            <a:avLst/>
+          </a:prstGeom>
+        </p:spPr>
+      </p:pic>
+      <p:pic>
+        <p:nvPicPr>
+          <p:cNvPr id="4" name="Picture 3" descr="A picture containing text, screenshot, software&#10;&#10;Description automatically generated">
+            <a:extLst>
+              <a:ext uri="{FF2B5EF4-FFF2-40B4-BE49-F238E27FC236}">
+                <a16:creationId xmlns:a16="http://schemas.microsoft.com/office/drawing/2014/main" id="{8200D858-CC8A-B295-2C81-C1E95BC3945D}"/>
+              </a:ext>
+            </a:extLst>
+          </p:cNvPr>
+          <p:cNvPicPr>
+            <a:picLocks noChangeAspect="1"/>
+          </p:cNvPicPr>
+          <p:nvPr/>
+        </p:nvPicPr>
+        <p:blipFill>
+          <a:blip r:embed="rId3"/>
+          <a:stretch>
+            <a:fillRect/>
+          </a:stretch>
+        </p:blipFill>
+        <p:spPr>
+          <a:xfrm>
+            <a:off x="655983" y="1099378"/>
+            <a:ext cx="6819900" cy="5156200"/>
           </a:xfrm>
           <a:prstGeom prst="rect">
             <a:avLst/>
@@ -6083,7 +6096,7 @@
         </p:nvSpPr>
         <p:spPr>
           <a:xfrm>
-            <a:off x="273690" y="576044"/>
+            <a:off x="223995" y="102474"/>
             <a:ext cx="7367631" cy="5334000"/>
           </a:xfrm>
         </p:spPr>
@@ -6125,33 +6138,10 @@
             <a:endParaRPr lang="en-US" sz="2000" b="1" dirty="0"/>
           </a:p>
           <a:p>
-            <a:pPr marL="457200" indent="-457200">
-              <a:buAutoNum type="arabicParenBoth"/>
+            <a:pPr marL="0" indent="0">
+              <a:buNone/>
             </a:pPr>
             <a:endParaRPr lang="en-US" sz="2000" b="1" dirty="0"/>
-          </a:p>
-          <a:p>
-            <a:pPr marL="457200" indent="-457200">
-              <a:buAutoNum type="arabicParenBoth"/>
-            </a:pPr>
-            <a:endParaRPr lang="en-US" sz="2000" b="1" dirty="0">
-              <a:highlight>
-                <a:srgbClr val="FFFF00"/>
-              </a:highlight>
-            </a:endParaRPr>
-          </a:p>
-          <a:p>
-            <a:pPr marL="457200" indent="-457200">
-              <a:buAutoNum type="arabicParenBoth"/>
-            </a:pPr>
-            <a:r>
-              <a:rPr lang="en-US" sz="2000" b="1" dirty="0">
-                <a:highlight>
-                  <a:srgbClr val="FFFF00"/>
-                </a:highlight>
-              </a:rPr>
-              <a:t>SCREENSHOT</a:t>
-            </a:r>
           </a:p>
         </p:txBody>
       </p:sp>
@@ -6249,6 +6239,36 @@
           </a:extLst>
         </p:spPr>
       </p:pic>
+      <p:pic>
+        <p:nvPicPr>
+          <p:cNvPr id="4" name="Picture 3" descr="A picture containing text, screenshot, font, document&#10;&#10;Description automatically generated">
+            <a:extLst>
+              <a:ext uri="{FF2B5EF4-FFF2-40B4-BE49-F238E27FC236}">
+                <a16:creationId xmlns:a16="http://schemas.microsoft.com/office/drawing/2014/main" id="{0C16D877-4147-0CAD-240C-38FF7C3BA23F}"/>
+              </a:ext>
+            </a:extLst>
+          </p:cNvPr>
+          <p:cNvPicPr>
+            <a:picLocks noChangeAspect="1"/>
+          </p:cNvPicPr>
+          <p:nvPr/>
+        </p:nvPicPr>
+        <p:blipFill>
+          <a:blip r:embed="rId4"/>
+          <a:stretch>
+            <a:fillRect/>
+          </a:stretch>
+        </p:blipFill>
+        <p:spPr>
+          <a:xfrm>
+            <a:off x="1356437" y="887743"/>
+            <a:ext cx="5102746" cy="5718696"/>
+          </a:xfrm>
+          <a:prstGeom prst="rect">
+            <a:avLst/>
+          </a:prstGeom>
+        </p:spPr>
+      </p:pic>
     </p:spTree>
     <p:extLst>
       <p:ext uri="{BB962C8B-B14F-4D97-AF65-F5344CB8AC3E}">
@@ -6263,6 +6283,221 @@
 </file>
 
 <file path=ppt/slides/slide7.xml><?xml version="1.0" encoding="utf-8"?>
+<p:sld xmlns:a="http://schemas.openxmlformats.org/drawingml/2006/main" xmlns:r="http://schemas.openxmlformats.org/officeDocument/2006/relationships" xmlns:p="http://schemas.openxmlformats.org/presentationml/2006/main">
+  <p:cSld>
+    <p:bg>
+      <p:bgPr>
+        <a:solidFill>
+          <a:schemeClr val="accent1">
+            <a:lumMod val="20000"/>
+            <a:lumOff val="80000"/>
+          </a:schemeClr>
+        </a:solidFill>
+        <a:effectLst/>
+      </p:bgPr>
+    </p:bg>
+    <p:spTree>
+      <p:nvGrpSpPr>
+        <p:cNvPr id="1" name=""/>
+        <p:cNvGrpSpPr/>
+        <p:nvPr/>
+      </p:nvGrpSpPr>
+      <p:grpSpPr>
+        <a:xfrm>
+          <a:off x="0" y="0"/>
+          <a:ext cx="0" cy="0"/>
+          <a:chOff x="0" y="0"/>
+          <a:chExt cx="0" cy="0"/>
+        </a:xfrm>
+      </p:grpSpPr>
+      <p:sp useBgFill="1">
+        <p:nvSpPr>
+          <p:cNvPr id="9" name="Rectangle 6">
+            <a:extLst>
+              <a:ext uri="{FF2B5EF4-FFF2-40B4-BE49-F238E27FC236}">
+                <a16:creationId xmlns:a16="http://schemas.microsoft.com/office/drawing/2014/main" id="{A069235B-22DB-4231-8291-D64DA2CDEB4E}"/>
+              </a:ext>
+              <a:ext uri="{C183D7F6-B498-43B3-948B-1728B52AA6E4}">
+                <adec:decorative xmlns:adec="http://schemas.microsoft.com/office/drawing/2017/decorative" val="1"/>
+              </a:ext>
+            </a:extLst>
+          </p:cNvPr>
+          <p:cNvSpPr>
+            <a:spLocks noGrp="1" noRot="1" noChangeAspect="1" noMove="1" noResize="1" noEditPoints="1" noAdjustHandles="1" noChangeArrowheads="1" noChangeShapeType="1" noTextEdit="1"/>
+          </p:cNvSpPr>
+          <p:nvPr>
+            <p:extLst>
+              <p:ext uri="{386F3935-93C4-4BCD-93E2-E3B085C9AB24}">
+                <p16:designElem xmlns:p16="http://schemas.microsoft.com/office/powerpoint/2015/main" val="1"/>
+              </p:ext>
+            </p:extLst>
+          </p:nvPr>
+        </p:nvSpPr>
+        <p:spPr>
+          <a:xfrm>
+            <a:off x="0" y="0"/>
+            <a:ext cx="12192000" cy="6858000"/>
+          </a:xfrm>
+          <a:prstGeom prst="rect">
+            <a:avLst/>
+          </a:prstGeom>
+          <a:ln>
+            <a:noFill/>
+          </a:ln>
+        </p:spPr>
+        <p:style>
+          <a:lnRef idx="2">
+            <a:schemeClr val="accent1">
+              <a:shade val="50000"/>
+            </a:schemeClr>
+          </a:lnRef>
+          <a:fillRef idx="1002">
+            <a:schemeClr val="lt2"/>
+          </a:fillRef>
+          <a:effectRef idx="0">
+            <a:schemeClr val="accent1"/>
+          </a:effectRef>
+          <a:fontRef idx="minor">
+            <a:schemeClr val="lt1"/>
+          </a:fontRef>
+        </p:style>
+        <p:txBody>
+          <a:bodyPr rtlCol="0" anchor="ctr"/>
+          <a:lstStyle/>
+          <a:p>
+            <a:pPr algn="ctr"/>
+            <a:endParaRPr lang="en-US"/>
+          </a:p>
+        </p:txBody>
+      </p:sp>
+      <p:pic>
+        <p:nvPicPr>
+          <p:cNvPr id="2" name="Picture 1" descr="A picture containing text, screenshot, diagram, design&#10;&#10;Description automatically generated">
+            <a:extLst>
+              <a:ext uri="{FF2B5EF4-FFF2-40B4-BE49-F238E27FC236}">
+                <a16:creationId xmlns:a16="http://schemas.microsoft.com/office/drawing/2014/main" id="{760830BE-E986-32A0-DACB-14C2DD6626B4}"/>
+              </a:ext>
+            </a:extLst>
+          </p:cNvPr>
+          <p:cNvPicPr>
+            <a:picLocks noChangeAspect="1"/>
+          </p:cNvPicPr>
+          <p:nvPr/>
+        </p:nvPicPr>
+        <p:blipFill rotWithShape="1">
+          <a:blip r:embed="rId2"/>
+          <a:srcRect l="28656" r="26090"/>
+          <a:stretch/>
+        </p:blipFill>
+        <p:spPr>
+          <a:xfrm>
+            <a:off x="716693" y="982455"/>
+            <a:ext cx="4997356" cy="5664233"/>
+          </a:xfrm>
+          <a:prstGeom prst="rect">
+            <a:avLst/>
+          </a:prstGeom>
+        </p:spPr>
+      </p:pic>
+      <p:sp>
+        <p:nvSpPr>
+          <p:cNvPr id="4" name="TextBox 3">
+            <a:extLst>
+              <a:ext uri="{FF2B5EF4-FFF2-40B4-BE49-F238E27FC236}">
+                <a16:creationId xmlns:a16="http://schemas.microsoft.com/office/drawing/2014/main" id="{8DDD40ED-261B-98B3-9940-7686BE778413}"/>
+              </a:ext>
+            </a:extLst>
+          </p:cNvPr>
+          <p:cNvSpPr txBox="1"/>
+          <p:nvPr/>
+        </p:nvSpPr>
+        <p:spPr>
+          <a:xfrm>
+            <a:off x="245993" y="27434"/>
+            <a:ext cx="6097656" cy="707886"/>
+          </a:xfrm>
+          <a:prstGeom prst="rect">
+            <a:avLst/>
+          </a:prstGeom>
+          <a:noFill/>
+        </p:spPr>
+        <p:txBody>
+          <a:bodyPr wrap="square">
+            <a:spAutoFit/>
+          </a:bodyPr>
+          <a:lstStyle/>
+          <a:p>
+            <a:pPr marL="0" indent="0">
+              <a:buNone/>
+            </a:pPr>
+            <a:r>
+              <a:rPr lang="en-US" sz="2000" b="1" dirty="0"/>
+              <a:t>(3) Real-Time Exchange Rate Dashboard (</a:t>
+            </a:r>
+            <a:r>
+              <a:rPr lang="en-US" sz="2000" b="1" dirty="0" err="1"/>
+              <a:t>Streamlit</a:t>
+            </a:r>
+            <a:r>
+              <a:rPr lang="en-US" sz="2000" b="1" dirty="0"/>
+              <a:t>, </a:t>
+            </a:r>
+            <a:r>
+              <a:rPr lang="en-US" sz="2000" b="1" dirty="0" err="1"/>
+              <a:t>py</a:t>
+            </a:r>
+            <a:r>
+              <a:rPr lang="en-US" sz="2000" b="1" dirty="0"/>
+              <a:t>)</a:t>
+            </a:r>
+            <a:endParaRPr lang="en-US" sz="1600" b="1" dirty="0"/>
+          </a:p>
+        </p:txBody>
+      </p:sp>
+      <p:pic>
+        <p:nvPicPr>
+          <p:cNvPr id="6" name="Picture 5" descr="A screen shot of a computer program&#10;&#10;Description automatically generated with medium confidence">
+            <a:extLst>
+              <a:ext uri="{FF2B5EF4-FFF2-40B4-BE49-F238E27FC236}">
+                <a16:creationId xmlns:a16="http://schemas.microsoft.com/office/drawing/2014/main" id="{FEE36FAB-57B3-2605-0CA7-D8FFF774D76E}"/>
+              </a:ext>
+            </a:extLst>
+          </p:cNvPr>
+          <p:cNvPicPr>
+            <a:picLocks noChangeAspect="1"/>
+          </p:cNvPicPr>
+          <p:nvPr/>
+        </p:nvPicPr>
+        <p:blipFill>
+          <a:blip r:embed="rId3"/>
+          <a:stretch>
+            <a:fillRect/>
+          </a:stretch>
+        </p:blipFill>
+        <p:spPr>
+          <a:xfrm>
+            <a:off x="6589642" y="735320"/>
+            <a:ext cx="5101077" cy="5760562"/>
+          </a:xfrm>
+          <a:prstGeom prst="rect">
+            <a:avLst/>
+          </a:prstGeom>
+        </p:spPr>
+      </p:pic>
+    </p:spTree>
+    <p:extLst>
+      <p:ext uri="{BB962C8B-B14F-4D97-AF65-F5344CB8AC3E}">
+        <p14:creationId xmlns:p14="http://schemas.microsoft.com/office/powerpoint/2010/main" val="2125573444"/>
+      </p:ext>
+    </p:extLst>
+  </p:cSld>
+  <p:clrMapOvr>
+    <a:masterClrMapping/>
+  </p:clrMapOvr>
+</p:sld>
+</file>
+
+<file path=ppt/slides/slide8.xml><?xml version="1.0" encoding="utf-8"?>
 <p:sld xmlns:a="http://schemas.openxmlformats.org/drawingml/2006/main" xmlns:r="http://schemas.openxmlformats.org/officeDocument/2006/relationships" xmlns:p="http://schemas.openxmlformats.org/presentationml/2006/main">
   <p:cSld>
     <p:spTree>
@@ -6710,21 +6945,21 @@
 </file>
 
 <file path=customXml/item1.xml><?xml version="1.0" encoding="utf-8"?>
+<p:properties xmlns:p="http://schemas.microsoft.com/office/2006/metadata/properties" xmlns:xsi="http://www.w3.org/2001/XMLSchema-instance" xmlns:pc="http://schemas.microsoft.com/office/infopath/2007/PartnerControls">
+  <documentManagement>
+    <Status xmlns="71af3243-3dd4-4a8d-8c0d-dd76da1f02a5">Not started</Status>
+    <MediaServiceKeyPoints xmlns="71af3243-3dd4-4a8d-8c0d-dd76da1f02a5" xsi:nil="true"/>
+  </documentManagement>
+</p:properties>
+</file>
+
+<file path=customXml/item2.xml><?xml version="1.0" encoding="utf-8"?>
 <?mso-contentType ?>
 <FormTemplates xmlns="http://schemas.microsoft.com/sharepoint/v3/contenttype/forms">
   <Display>DocumentLibraryForm</Display>
   <Edit>DocumentLibraryForm</Edit>
   <New>DocumentLibraryForm</New>
 </FormTemplates>
-</file>
-
-<file path=customXml/item2.xml><?xml version="1.0" encoding="utf-8"?>
-<p:properties xmlns:p="http://schemas.microsoft.com/office/2006/metadata/properties" xmlns:xsi="http://www.w3.org/2001/XMLSchema-instance" xmlns:pc="http://schemas.microsoft.com/office/infopath/2007/PartnerControls">
-  <documentManagement>
-    <Status xmlns="71af3243-3dd4-4a8d-8c0d-dd76da1f02a5">Not started</Status>
-    <MediaServiceKeyPoints xmlns="71af3243-3dd4-4a8d-8c0d-dd76da1f02a5" xsi:nil="true"/>
-  </documentManagement>
-</p:properties>
 </file>
 
 <file path=customXml/item3.xml><?xml version="1.0" encoding="utf-8"?>
@@ -6949,19 +7184,19 @@
 </file>
 
 <file path=customXml/itemProps1.xml><?xml version="1.0" encoding="utf-8"?>
-<ds:datastoreItem xmlns:ds="http://schemas.openxmlformats.org/officeDocument/2006/customXml" ds:itemID="{AE2713E1-6312-427E-BFCB-C5A5DA301373}">
+<ds:datastoreItem xmlns:ds="http://schemas.openxmlformats.org/officeDocument/2006/customXml" ds:itemID="{52F3B215-496E-4790-A364-7C1C46DEC771}">
   <ds:schemaRefs>
-    <ds:schemaRef ds:uri="http://schemas.microsoft.com/sharepoint/v3/contenttype/forms"/>
+    <ds:schemaRef ds:uri="http://schemas.microsoft.com/office/2006/metadata/properties"/>
+    <ds:schemaRef ds:uri="http://schemas.microsoft.com/office/infopath/2007/PartnerControls"/>
+    <ds:schemaRef ds:uri="71af3243-3dd4-4a8d-8c0d-dd76da1f02a5"/>
   </ds:schemaRefs>
 </ds:datastoreItem>
 </file>
 
 <file path=customXml/itemProps2.xml><?xml version="1.0" encoding="utf-8"?>
-<ds:datastoreItem xmlns:ds="http://schemas.openxmlformats.org/officeDocument/2006/customXml" ds:itemID="{52F3B215-496E-4790-A364-7C1C46DEC771}">
+<ds:datastoreItem xmlns:ds="http://schemas.openxmlformats.org/officeDocument/2006/customXml" ds:itemID="{AE2713E1-6312-427E-BFCB-C5A5DA301373}">
   <ds:schemaRefs>
-    <ds:schemaRef ds:uri="http://schemas.microsoft.com/office/2006/metadata/properties"/>
-    <ds:schemaRef ds:uri="http://schemas.microsoft.com/office/infopath/2007/PartnerControls"/>
-    <ds:schemaRef ds:uri="71af3243-3dd4-4a8d-8c0d-dd76da1f02a5"/>
+    <ds:schemaRef ds:uri="http://schemas.microsoft.com/sharepoint/v3/contenttype/forms"/>
   </ds:schemaRefs>
 </ds:datastoreItem>
 </file>

--- a/Project 3.pptx
+++ b/Project 3.pptx
@@ -588,7 +588,7 @@
           <a:p>
             <a:fld id="{EA0C0817-A112-4847-8014-A94B7D2A4EA3}" type="datetime1">
               <a:rPr lang="en-US" smtClean="0"/>
-              <a:t>6/5/23</a:t>
+              <a:t>6/6/23</a:t>
             </a:fld>
             <a:endParaRPr lang="en-US" dirty="0"/>
           </a:p>
@@ -790,7 +790,7 @@
           <a:p>
             <a:fld id="{7332B432-ACDA-4023-A761-2BAB76577B62}" type="datetime1">
               <a:rPr lang="en-US" smtClean="0"/>
-              <a:t>6/5/23</a:t>
+              <a:t>6/6/23</a:t>
             </a:fld>
             <a:endParaRPr lang="en-US" dirty="0"/>
           </a:p>
@@ -1389,7 +1389,7 @@
           <a:p>
             <a:fld id="{D9C646AA-F36E-4540-911D-FFFC0A0EF24A}" type="datetime1">
               <a:rPr lang="en-US" smtClean="0"/>
-              <a:t>6/5/23</a:t>
+              <a:t>6/6/23</a:t>
             </a:fld>
             <a:endParaRPr lang="en-US" dirty="0"/>
           </a:p>
@@ -1709,7 +1709,7 @@
           <a:p>
             <a:fld id="{69186D26-FA5F-4637-B602-B7C2DC34CFD4}" type="datetime1">
               <a:rPr lang="en-US" smtClean="0"/>
-              <a:t>6/5/23</a:t>
+              <a:t>6/6/23</a:t>
             </a:fld>
             <a:endParaRPr lang="en-US" dirty="0"/>
           </a:p>
@@ -2146,7 +2146,7 @@
           <a:p>
             <a:fld id="{8A7F15D8-96D1-4781-BC50-CA8A088B2FE4}" type="datetime1">
               <a:rPr lang="en-US" smtClean="0"/>
-              <a:t>6/5/23</a:t>
+              <a:t>6/6/23</a:t>
             </a:fld>
             <a:endParaRPr lang="en-US" dirty="0"/>
           </a:p>
@@ -2264,7 +2264,7 @@
           <a:p>
             <a:fld id="{F9A96C99-B8F8-4528-BD05-0E16E943DC09}" type="datetime1">
               <a:rPr lang="en-US" smtClean="0"/>
-              <a:t>6/5/23</a:t>
+              <a:t>6/6/23</a:t>
             </a:fld>
             <a:endParaRPr lang="en-US" dirty="0"/>
           </a:p>
@@ -2359,7 +2359,7 @@
           <a:p>
             <a:fld id="{03636942-C211-4B28-8DBD-C953E00AF71B}" type="datetime1">
               <a:rPr lang="en-US" smtClean="0"/>
-              <a:t>6/5/23</a:t>
+              <a:t>6/6/23</a:t>
             </a:fld>
             <a:endParaRPr lang="en-US" dirty="0"/>
           </a:p>
@@ -2776,7 +2776,7 @@
           <a:p>
             <a:fld id="{7E8D12A6-918A-48BD-8CB9-CA713993B0EA}" type="datetime1">
               <a:rPr lang="en-US" smtClean="0"/>
-              <a:t>6/5/23</a:t>
+              <a:t>6/6/23</a:t>
             </a:fld>
             <a:endParaRPr lang="en-US" dirty="0"/>
           </a:p>
@@ -3038,7 +3038,7 @@
             <a:fld id="{E778CE86-875F-4587-BCF6-FA054AFC0D53}" type="datetime1">
               <a:rPr lang="en-US" smtClean="0"/>
               <a:pPr/>
-              <a:t>6/5/23</a:t>
+              <a:t>6/6/23</a:t>
             </a:fld>
             <a:endParaRPr lang="en-US" dirty="0"/>
           </a:p>
@@ -3554,7 +3554,7 @@
           <a:p>
             <a:fld id="{F6FA2B21-3FCD-4721-B95C-427943F61125}" type="datetime1">
               <a:rPr lang="en-US" smtClean="0"/>
-              <a:t>6/5/23</a:t>
+              <a:t>6/6/23</a:t>
             </a:fld>
             <a:endParaRPr lang="en-US" dirty="0"/>
           </a:p>
@@ -6241,32 +6241,49 @@
       </p:pic>
       <p:pic>
         <p:nvPicPr>
-          <p:cNvPr id="4" name="Picture 3" descr="A picture containing text, screenshot, font, document&#10;&#10;Description automatically generated">
+          <p:cNvPr id="1026" name="Picture 2">
             <a:extLst>
               <a:ext uri="{FF2B5EF4-FFF2-40B4-BE49-F238E27FC236}">
-                <a16:creationId xmlns:a16="http://schemas.microsoft.com/office/drawing/2014/main" id="{0C16D877-4147-0CAD-240C-38FF7C3BA23F}"/>
+                <a16:creationId xmlns:a16="http://schemas.microsoft.com/office/drawing/2014/main" id="{22EA6328-E3BC-A22A-28E8-10608E4DD4B6}"/>
               </a:ext>
             </a:extLst>
           </p:cNvPr>
           <p:cNvPicPr>
-            <a:picLocks noChangeAspect="1"/>
+            <a:picLocks noChangeAspect="1" noChangeArrowheads="1"/>
           </p:cNvPicPr>
           <p:nvPr/>
         </p:nvPicPr>
         <p:blipFill>
-          <a:blip r:embed="rId4"/>
+          <a:blip r:embed="rId4">
+            <a:extLst>
+              <a:ext uri="{28A0092B-C50C-407E-A947-70E740481C1C}">
+                <a14:useLocalDpi xmlns:a14="http://schemas.microsoft.com/office/drawing/2010/main" val="0"/>
+              </a:ext>
+            </a:extLst>
+          </a:blip>
+          <a:srcRect/>
           <a:stretch>
             <a:fillRect/>
           </a:stretch>
         </p:blipFill>
-        <p:spPr>
-          <a:xfrm>
-            <a:off x="1356437" y="887743"/>
-            <a:ext cx="5102746" cy="5718696"/>
+        <p:spPr bwMode="auto">
+          <a:xfrm>
+            <a:off x="1582295" y="683585"/>
+            <a:ext cx="4651029" cy="6071941"/>
           </a:xfrm>
           <a:prstGeom prst="rect">
             <a:avLst/>
           </a:prstGeom>
+          <a:noFill/>
+          <a:extLst>
+            <a:ext uri="{909E8E84-426E-40DD-AFC4-6F175D3DCCD1}">
+              <a14:hiddenFill xmlns:a14="http://schemas.microsoft.com/office/drawing/2010/main">
+                <a:solidFill>
+                  <a:srgbClr val="FFFFFF"/>
+                </a:solidFill>
+              </a14:hiddenFill>
+            </a:ext>
+          </a:extLst>
         </p:spPr>
       </p:pic>
     </p:spTree>
@@ -6954,15 +6971,6 @@
 </file>
 
 <file path=customXml/item2.xml><?xml version="1.0" encoding="utf-8"?>
-<?mso-contentType ?>
-<FormTemplates xmlns="http://schemas.microsoft.com/sharepoint/v3/contenttype/forms">
-  <Display>DocumentLibraryForm</Display>
-  <Edit>DocumentLibraryForm</Edit>
-  <New>DocumentLibraryForm</New>
-</FormTemplates>
-</file>
-
-<file path=customXml/item3.xml><?xml version="1.0" encoding="utf-8"?>
 <ct:contentTypeSchema xmlns:ct="http://schemas.microsoft.com/office/2006/metadata/contentType" xmlns:ma="http://schemas.microsoft.com/office/2006/metadata/properties/metaAttributes" ct:_="" ma:_="" ma:contentTypeName="Document" ma:contentTypeID="0x01010079F111ED35F8CC479449609E8A0923A6" ma:contentTypeVersion="12" ma:contentTypeDescription="Create a new document." ma:contentTypeScope="" ma:versionID="a410dd7f93c95333ffa1b60ed6adedd1">
   <xsd:schema xmlns:xsd="http://www.w3.org/2001/XMLSchema" xmlns:xs="http://www.w3.org/2001/XMLSchema" xmlns:p="http://schemas.microsoft.com/office/2006/metadata/properties" xmlns:ns2="71af3243-3dd4-4a8d-8c0d-dd76da1f02a5" xmlns:ns3="16c05727-aa75-4e4a-9b5f-8a80a1165891" targetNamespace="http://schemas.microsoft.com/office/2006/metadata/properties" ma:root="true" ma:fieldsID="a936d9baba76aa3866493feff160faab" ns2:_="" ns3:_="">
     <xsd:import namespace="71af3243-3dd4-4a8d-8c0d-dd76da1f02a5"/>
@@ -7183,6 +7191,15 @@
 </ct:contentTypeSchema>
 </file>
 
+<file path=customXml/item3.xml><?xml version="1.0" encoding="utf-8"?>
+<?mso-contentType ?>
+<FormTemplates xmlns="http://schemas.microsoft.com/sharepoint/v3/contenttype/forms">
+  <Display>DocumentLibraryForm</Display>
+  <Edit>DocumentLibraryForm</Edit>
+  <New>DocumentLibraryForm</New>
+</FormTemplates>
+</file>
+
 <file path=customXml/itemProps1.xml><?xml version="1.0" encoding="utf-8"?>
 <ds:datastoreItem xmlns:ds="http://schemas.openxmlformats.org/officeDocument/2006/customXml" ds:itemID="{52F3B215-496E-4790-A364-7C1C46DEC771}">
   <ds:schemaRefs>
@@ -7194,14 +7211,6 @@
 </file>
 
 <file path=customXml/itemProps2.xml><?xml version="1.0" encoding="utf-8"?>
-<ds:datastoreItem xmlns:ds="http://schemas.openxmlformats.org/officeDocument/2006/customXml" ds:itemID="{AE2713E1-6312-427E-BFCB-C5A5DA301373}">
-  <ds:schemaRefs>
-    <ds:schemaRef ds:uri="http://schemas.microsoft.com/sharepoint/v3/contenttype/forms"/>
-  </ds:schemaRefs>
-</ds:datastoreItem>
-</file>
-
-<file path=customXml/itemProps3.xml><?xml version="1.0" encoding="utf-8"?>
 <ds:datastoreItem xmlns:ds="http://schemas.openxmlformats.org/officeDocument/2006/customXml" ds:itemID="{50DB95DD-0319-4EE5-8C5C-9CEDF75E024B}">
   <ds:schemaRefs>
     <ds:schemaRef ds:uri="http://schemas.microsoft.com/office/2006/metadata/contentType"/>
@@ -7218,4 +7227,12 @@
     <ds:schemaRef ds:uri="http://schemas.microsoft.com/internal/obd"/>
   </ds:schemaRefs>
 </ds:datastoreItem>
+</file>
+
+<file path=customXml/itemProps3.xml><?xml version="1.0" encoding="utf-8"?>
+<ds:datastoreItem xmlns:ds="http://schemas.openxmlformats.org/officeDocument/2006/customXml" ds:itemID="{AE2713E1-6312-427E-BFCB-C5A5DA301373}">
+  <ds:schemaRefs>
+    <ds:schemaRef ds:uri="http://schemas.microsoft.com/sharepoint/v3/contenttype/forms"/>
+  </ds:schemaRefs>
+</ds:datastoreItem>
 </file>